--- a/status-reports/20200205/angry_stingers.pptx
+++ b/status-reports/20200205/angry_stingers.pptx
@@ -4073,10 +4073,10 @@
       </p:sp>
       <p:pic>
         <p:nvPicPr>
-          <p:cNvPr id="4" name="Picture 3">
+          <p:cNvPr id="8" name="Picture 7">
             <a:extLst>
               <a:ext uri="{FF2B5EF4-FFF2-40B4-BE49-F238E27FC236}">
-                <a16:creationId xmlns:a16="http://schemas.microsoft.com/office/drawing/2014/main" id="{708DA341-722B-4B24-8A94-59A18473DF37}"/>
+                <a16:creationId xmlns:a16="http://schemas.microsoft.com/office/drawing/2014/main" id="{04B265B7-FEC5-4C5B-A59F-BAAD21F16C3F}"/>
               </a:ext>
             </a:extLst>
           </p:cNvPr>
@@ -4085,16 +4085,15 @@
           </p:cNvPicPr>
           <p:nvPr/>
         </p:nvPicPr>
-        <p:blipFill>
+        <p:blipFill rotWithShape="1">
           <a:blip r:embed="rId3"/>
-          <a:stretch>
-            <a:fillRect/>
-          </a:stretch>
+          <a:srcRect b="3193"/>
+          <a:stretch/>
         </p:blipFill>
         <p:spPr>
           <a:xfrm>
-            <a:off x="0" y="0"/>
-            <a:ext cx="9144000" cy="4817398"/>
+            <a:off x="0" y="-99391"/>
+            <a:ext cx="9144000" cy="4896544"/>
           </a:xfrm>
           <a:prstGeom prst="rect">
             <a:avLst/>
